--- a/lectures/Day2_2lecture_Introduction_to_Headviewer+Modelviewer.pptx
+++ b/lectures/Day2_2lecture_Introduction_to_Headviewer+Modelviewer.pptx
@@ -430,7 +430,7 @@
           <a:p>
             <a:fld id="{97B19A04-721A-4D4A-88DE-D208E98FF357}" type="datetimeFigureOut">
               <a:rPr lang="en-US" smtClean="0"/>
-              <a:t>5/14/2019</a:t>
+              <a:t>9/12/23</a:t>
             </a:fld>
             <a:endParaRPr lang="en-US"/>
           </a:p>
@@ -628,7 +628,7 @@
           <a:p>
             <a:fld id="{97B19A04-721A-4D4A-88DE-D208E98FF357}" type="datetimeFigureOut">
               <a:rPr lang="en-US" smtClean="0"/>
-              <a:t>5/14/2019</a:t>
+              <a:t>9/12/23</a:t>
             </a:fld>
             <a:endParaRPr lang="en-US"/>
           </a:p>
@@ -836,7 +836,7 @@
           <a:p>
             <a:fld id="{97B19A04-721A-4D4A-88DE-D208E98FF357}" type="datetimeFigureOut">
               <a:rPr lang="en-US" smtClean="0"/>
-              <a:t>5/14/2019</a:t>
+              <a:t>9/12/23</a:t>
             </a:fld>
             <a:endParaRPr lang="en-US"/>
           </a:p>
@@ -1034,7 +1034,7 @@
           <a:p>
             <a:fld id="{97B19A04-721A-4D4A-88DE-D208E98FF357}" type="datetimeFigureOut">
               <a:rPr lang="en-US" smtClean="0"/>
-              <a:t>5/14/2019</a:t>
+              <a:t>9/12/23</a:t>
             </a:fld>
             <a:endParaRPr lang="en-US"/>
           </a:p>
@@ -1309,7 +1309,7 @@
           <a:p>
             <a:fld id="{97B19A04-721A-4D4A-88DE-D208E98FF357}" type="datetimeFigureOut">
               <a:rPr lang="en-US" smtClean="0"/>
-              <a:t>5/14/2019</a:t>
+              <a:t>9/12/23</a:t>
             </a:fld>
             <a:endParaRPr lang="en-US"/>
           </a:p>
@@ -1574,7 +1574,7 @@
           <a:p>
             <a:fld id="{97B19A04-721A-4D4A-88DE-D208E98FF357}" type="datetimeFigureOut">
               <a:rPr lang="en-US" smtClean="0"/>
-              <a:t>5/14/2019</a:t>
+              <a:t>9/12/23</a:t>
             </a:fld>
             <a:endParaRPr lang="en-US"/>
           </a:p>
@@ -1986,7 +1986,7 @@
           <a:p>
             <a:fld id="{97B19A04-721A-4D4A-88DE-D208E98FF357}" type="datetimeFigureOut">
               <a:rPr lang="en-US" smtClean="0"/>
-              <a:t>5/14/2019</a:t>
+              <a:t>9/12/23</a:t>
             </a:fld>
             <a:endParaRPr lang="en-US"/>
           </a:p>
@@ -2127,7 +2127,7 @@
           <a:p>
             <a:fld id="{97B19A04-721A-4D4A-88DE-D208E98FF357}" type="datetimeFigureOut">
               <a:rPr lang="en-US" smtClean="0"/>
-              <a:t>5/14/2019</a:t>
+              <a:t>9/12/23</a:t>
             </a:fld>
             <a:endParaRPr lang="en-US"/>
           </a:p>
@@ -2240,7 +2240,7 @@
           <a:p>
             <a:fld id="{97B19A04-721A-4D4A-88DE-D208E98FF357}" type="datetimeFigureOut">
               <a:rPr lang="en-US" smtClean="0"/>
-              <a:t>5/14/2019</a:t>
+              <a:t>9/12/23</a:t>
             </a:fld>
             <a:endParaRPr lang="en-US"/>
           </a:p>
@@ -2551,7 +2551,7 @@
           <a:p>
             <a:fld id="{97B19A04-721A-4D4A-88DE-D208E98FF357}" type="datetimeFigureOut">
               <a:rPr lang="en-US" smtClean="0"/>
-              <a:t>5/14/2019</a:t>
+              <a:t>9/12/23</a:t>
             </a:fld>
             <a:endParaRPr lang="en-US"/>
           </a:p>
@@ -2839,7 +2839,7 @@
           <a:p>
             <a:fld id="{97B19A04-721A-4D4A-88DE-D208E98FF357}" type="datetimeFigureOut">
               <a:rPr lang="en-US" smtClean="0"/>
-              <a:t>5/14/2019</a:t>
+              <a:t>9/12/23</a:t>
             </a:fld>
             <a:endParaRPr lang="en-US"/>
           </a:p>
@@ -3080,7 +3080,7 @@
           <a:p>
             <a:fld id="{97B19A04-721A-4D4A-88DE-D208E98FF357}" type="datetimeFigureOut">
               <a:rPr lang="en-US" smtClean="0"/>
-              <a:t>5/14/2019</a:t>
+              <a:t>9/12/23</a:t>
             </a:fld>
             <a:endParaRPr lang="en-US"/>
           </a:p>
@@ -3582,20 +3582,12 @@
               <a:buChar char="•"/>
             </a:pPr>
             <a:r>
-              <a:rPr lang="en-US" sz="4000">
-                <a:solidFill>
-                  <a:schemeClr val="bg1"/>
-                </a:solidFill>
-              </a:rPr>
-              <a:t>Training </a:t>
-            </a:r>
-            <a:r>
               <a:rPr lang="en-US" sz="4000" dirty="0">
                 <a:solidFill>
                   <a:schemeClr val="bg1"/>
                 </a:solidFill>
               </a:rPr>
-              <a:t>program to view output heads</a:t>
+              <a:t>Training program to view output heads</a:t>
             </a:r>
           </a:p>
           <a:p>
@@ -3609,7 +3601,7 @@
                   <a:schemeClr val="bg1"/>
                 </a:solidFill>
               </a:rPr>
-              <a:t>/bin/</a:t>
+              <a:t>/software/</a:t>
             </a:r>
             <a:r>
               <a:rPr lang="en-US" sz="4000" dirty="0" err="1">
@@ -3902,7 +3894,7 @@
         </p:spPr>
         <p:txBody>
           <a:bodyPr>
-            <a:normAutofit/>
+            <a:normAutofit fontScale="92500" lnSpcReduction="10000"/>
           </a:bodyPr>
           <a:lstStyle/>
           <a:p>
@@ -3916,7 +3908,7 @@
                   <a:schemeClr val="bg1"/>
                 </a:solidFill>
               </a:rPr>
-              <a:t>Beta program to view output heads and vectors</a:t>
+              <a:t>Program to view output heads and vectors</a:t>
             </a:r>
           </a:p>
           <a:p>
@@ -3930,13 +3922,38 @@
                   <a:schemeClr val="bg1"/>
                 </a:solidFill>
               </a:rPr>
-              <a:t>/bin/ModelViewer_for_Modflow6/mvmf6</a:t>
-            </a:r>
-            <a:endParaRPr lang="en-US" sz="4400" dirty="0">
-              <a:solidFill>
-                <a:schemeClr val="bg1"/>
-              </a:solidFill>
-            </a:endParaRPr>
+              <a:t>Download program from:</a:t>
+            </a:r>
+          </a:p>
+          <a:p>
+            <a:pPr marL="1485900" lvl="2" indent="-571500" algn="l">
+              <a:buFont typeface="Arial" panose="020B0604020202020204" pitchFamily="34" charset="0"/>
+              <a:buChar char="•"/>
+            </a:pPr>
+            <a:r>
+              <a:rPr lang="en-US" sz="3800" dirty="0">
+                <a:solidFill>
+                  <a:schemeClr val="bg1"/>
+                </a:solidFill>
+              </a:rPr>
+              <a:t>https://</a:t>
+            </a:r>
+            <a:r>
+              <a:rPr lang="en-US" sz="3800" dirty="0" err="1">
+                <a:solidFill>
+                  <a:schemeClr val="bg1"/>
+                </a:solidFill>
+              </a:rPr>
+              <a:t>www.usgs.gov</a:t>
+            </a:r>
+            <a:r>
+              <a:rPr lang="en-US" sz="3800" dirty="0">
+                <a:solidFill>
+                  <a:schemeClr val="bg1"/>
+                </a:solidFill>
+              </a:rPr>
+              <a:t>/software/model-viewer-program-three-dimensional-visualization-ground-water-model-results</a:t>
+            </a:r>
           </a:p>
         </p:txBody>
       </p:sp>

--- a/lectures/Day2_2lecture_Introduction_to_Headviewer+Modelviewer.pptx
+++ b/lectures/Day2_2lecture_Introduction_to_Headviewer+Modelviewer.pptx
@@ -3894,7 +3894,7 @@
         </p:spPr>
         <p:txBody>
           <a:bodyPr>
-            <a:normAutofit/>
+            <a:normAutofit fontScale="92500" lnSpcReduction="10000"/>
           </a:bodyPr>
           <a:lstStyle/>
           <a:p>
@@ -3922,13 +3922,38 @@
                   <a:schemeClr val="bg1"/>
                 </a:solidFill>
               </a:rPr>
-              <a:t>/bin/ModelViewer_for_Modflow6/mvmf6</a:t>
-            </a:r>
-            <a:endParaRPr lang="en-US" sz="4400" dirty="0">
-              <a:solidFill>
-                <a:schemeClr val="bg1"/>
-              </a:solidFill>
-            </a:endParaRPr>
+              <a:t>Download program from:</a:t>
+            </a:r>
+          </a:p>
+          <a:p>
+            <a:pPr marL="1485900" lvl="2" indent="-571500" algn="l">
+              <a:buFont typeface="Arial" panose="020B0604020202020204" pitchFamily="34" charset="0"/>
+              <a:buChar char="•"/>
+            </a:pPr>
+            <a:r>
+              <a:rPr lang="en-US" sz="3800" dirty="0">
+                <a:solidFill>
+                  <a:schemeClr val="bg1"/>
+                </a:solidFill>
+              </a:rPr>
+              <a:t>https://</a:t>
+            </a:r>
+            <a:r>
+              <a:rPr lang="en-US" sz="3800" dirty="0" err="1">
+                <a:solidFill>
+                  <a:schemeClr val="bg1"/>
+                </a:solidFill>
+              </a:rPr>
+              <a:t>www.usgs.gov</a:t>
+            </a:r>
+            <a:r>
+              <a:rPr lang="en-US" sz="3800" dirty="0">
+                <a:solidFill>
+                  <a:schemeClr val="bg1"/>
+                </a:solidFill>
+              </a:rPr>
+              <a:t>/software/model-viewer-program-three-dimensional-visualization-ground-water-model-results</a:t>
+            </a:r>
           </a:p>
         </p:txBody>
       </p:sp>
